--- a/app/static/template/wed_sermon_template.pptx
+++ b/app/static/template/wed_sermon_template.pptx
@@ -238,7 +238,7 @@
           <a:p>
             <a:fld id="{15D6F61B-DCC9-D848-990F-CAE1C8685861}" type="datetimeFigureOut">
               <a:rPr lang="en-US" smtClean="0"/>
-              <a:t>7/12/23</a:t>
+              <a:t>7/13/23</a:t>
             </a:fld>
             <a:endParaRPr lang="en-US"/>
           </a:p>

--- a/app/static/template/wed_sermon_template.pptx
+++ b/app/static/template/wed_sermon_template.pptx
@@ -238,7 +238,7 @@
           <a:p>
             <a:fld id="{15D6F61B-DCC9-D848-990F-CAE1C8685861}" type="datetimeFigureOut">
               <a:rPr lang="en-US" smtClean="0"/>
-              <a:t>7/13/23</a:t>
+              <a:t>7/27/23</a:t>
             </a:fld>
             <a:endParaRPr lang="en-US"/>
           </a:p>
@@ -571,14 +571,15 @@
                     <a:srgbClr val="000000"/>
                   </a:outerShdw>
                 </a:effectLst>
-                <a:latin typeface="Nirmala UI" panose="020B0502040204020203" pitchFamily="34" charset="0"/>
+                <a:latin typeface="Arial" panose="020B0604020202020204" pitchFamily="34" charset="0"/>
+                <a:cs typeface="Arial" panose="020B0604020202020204" pitchFamily="34" charset="0"/>
               </a:defRPr>
             </a:lvl1pPr>
           </a:lstStyle>
           <a:p>
             <a:pPr lvl="0"/>
             <a:r>
-              <a:rPr lang="en-US" altLang="ko-KR" sz="3000" b="1">
+              <a:rPr lang="en-US" altLang="ko-KR" sz="3000" b="1" dirty="0">
                 <a:effectLst>
                   <a:glow rad="190500">
                     <a:schemeClr val="bg2"/>
@@ -1197,10 +1198,15 @@
         </p:nvSpPr>
         <p:spPr/>
         <p:txBody>
-          <a:bodyPr/>
+          <a:bodyPr>
+            <a:normAutofit/>
+          </a:bodyPr>
           <a:lstStyle/>
           <a:p>
-            <a:endParaRPr lang="en-US" dirty="0"/>
+            <a:endParaRPr lang="en-US" dirty="0">
+              <a:latin typeface="Arial" panose="020B0604020202020204" pitchFamily="34" charset="0"/>
+              <a:cs typeface="Arial" panose="020B0604020202020204" pitchFamily="34" charset="0"/>
+            </a:endParaRPr>
           </a:p>
         </p:txBody>
       </p:sp>

--- a/app/static/template/wed_sermon_template.pptx
+++ b/app/static/template/wed_sermon_template.pptx
@@ -556,7 +556,7 @@
           </a:prstGeom>
         </p:spPr>
         <p:txBody>
-          <a:bodyPr>
+          <a:bodyPr anchor="ctr">
             <a:spAutoFit/>
           </a:bodyPr>
           <a:lstStyle>
@@ -1198,7 +1198,7 @@
         </p:nvSpPr>
         <p:spPr/>
         <p:txBody>
-          <a:bodyPr>
+          <a:bodyPr anchor="ctr">
             <a:normAutofit/>
           </a:bodyPr>
           <a:lstStyle/>

--- a/app/static/template/wed_sermon_template.pptx
+++ b/app/static/template/wed_sermon_template.pptx
@@ -238,7 +238,7 @@
           <a:p>
             <a:fld id="{15D6F61B-DCC9-D848-990F-CAE1C8685861}" type="datetimeFigureOut">
               <a:rPr lang="en-US" smtClean="0"/>
-              <a:t>7/27/23</a:t>
+              <a:t>7/28/23</a:t>
             </a:fld>
             <a:endParaRPr lang="en-US"/>
           </a:p>

--- a/app/static/template/wed_sermon_template.pptx
+++ b/app/static/template/wed_sermon_template.pptx
@@ -238,7 +238,7 @@
           <a:p>
             <a:fld id="{15D6F61B-DCC9-D848-990F-CAE1C8685861}" type="datetimeFigureOut">
               <a:rPr lang="en-US" smtClean="0"/>
-              <a:t>7/28/23</a:t>
+              <a:t>7/31/23</a:t>
             </a:fld>
             <a:endParaRPr lang="en-US"/>
           </a:p>
@@ -557,7 +557,7 @@
         </p:spPr>
         <p:txBody>
           <a:bodyPr anchor="ctr">
-            <a:spAutoFit/>
+            <a:normAutofit/>
           </a:bodyPr>
           <a:lstStyle>
             <a:lvl1pPr marL="0" indent="0">

--- a/app/static/template/wed_sermon_template.pptx
+++ b/app/static/template/wed_sermon_template.pptx
@@ -8,7 +8,7 @@
     <p:notesMasterId r:id="rId3"/>
   </p:notesMasterIdLst>
   <p:sldIdLst>
-    <p:sldId id="397" r:id="rId2"/>
+    <p:sldId id="398" r:id="rId2"/>
   </p:sldIdLst>
   <p:sldSz cx="12192000" cy="6858000"/>
   <p:notesSz cx="6858000" cy="9144000"/>
@@ -532,10 +532,10 @@
       </p:grpSpPr>
       <p:sp>
         <p:nvSpPr>
-          <p:cNvPr id="12" name="Text Placeholder 11">
+          <p:cNvPr id="3" name="Text Placeholder 2">
             <a:extLst>
               <a:ext uri="{FF2B5EF4-FFF2-40B4-BE49-F238E27FC236}">
-                <a16:creationId xmlns:a16="http://schemas.microsoft.com/office/drawing/2014/main" id="{D457A2C4-9E8B-0F03-175F-7635B973B42B}"/>
+                <a16:creationId xmlns:a16="http://schemas.microsoft.com/office/drawing/2014/main" id="{69CFCE66-6C70-4977-8AB8-A3BC9AE27ECA}"/>
               </a:ext>
             </a:extLst>
           </p:cNvPr>
@@ -543,33 +543,30 @@
             <a:spLocks noGrp="1"/>
           </p:cNvSpPr>
           <p:nvPr>
-            <p:ph type="body" sz="quarter" idx="10" hasCustomPrompt="1"/>
+            <p:ph type="body" sz="quarter" idx="11" hasCustomPrompt="1"/>
           </p:nvPr>
         </p:nvSpPr>
         <p:spPr>
           <a:xfrm>
-            <a:off x="826384" y="5301208"/>
-            <a:ext cx="10369296" cy="553998"/>
+            <a:off x="804953" y="5282331"/>
+            <a:ext cx="10814232" cy="553998"/>
           </a:xfrm>
           <a:prstGeom prst="rect">
             <a:avLst/>
           </a:prstGeom>
         </p:spPr>
         <p:txBody>
-          <a:bodyPr anchor="ctr">
+          <a:bodyPr anchor="ctr" anchorCtr="0">
             <a:normAutofit/>
           </a:bodyPr>
           <a:lstStyle>
             <a:lvl1pPr marL="0" indent="0">
               <a:buNone/>
-              <a:defRPr sz="3000" b="1" baseline="0">
+              <a:defRPr b="1">
                 <a:effectLst>
                   <a:glow rad="190500">
                     <a:schemeClr val="bg2"/>
                   </a:glow>
-                  <a:outerShdw blurRad="38100" dist="38100" dir="2700000" algn="tl">
-                    <a:srgbClr val="000000"/>
-                  </a:outerShdw>
                 </a:effectLst>
                 <a:latin typeface="Arial" panose="020B0604020202020204" pitchFamily="34" charset="0"/>
                 <a:cs typeface="Arial" panose="020B0604020202020204" pitchFamily="34" charset="0"/>
@@ -579,19 +576,9 @@
           <a:p>
             <a:pPr lvl="0"/>
             <a:r>
-              <a:rPr lang="en-US" altLang="ko-KR" sz="3000" b="1" dirty="0">
-                <a:effectLst>
-                  <a:glow rad="190500">
-                    <a:schemeClr val="bg2"/>
-                  </a:glow>
-                </a:effectLst>
-                <a:latin typeface="Nirmala UI" panose="020B0502040204020203" pitchFamily="34" charset="0"/>
-                <a:ea typeface="Nirmala UI" panose="020B0502040204020203" pitchFamily="34" charset="0"/>
-                <a:cs typeface="Nirmala UI" panose="020B0502040204020203" pitchFamily="34" charset="0"/>
-              </a:rPr>
+              <a:rPr lang="en-US" dirty="0"/>
               <a:t>Add Lyrics</a:t>
             </a:r>
-            <a:endParaRPr lang="en-US" dirty="0"/>
           </a:p>
         </p:txBody>
       </p:sp>
@@ -1185,7 +1172,7 @@
           <p:cNvPr id="2" name="Text Placeholder 1">
             <a:extLst>
               <a:ext uri="{FF2B5EF4-FFF2-40B4-BE49-F238E27FC236}">
-                <a16:creationId xmlns:a16="http://schemas.microsoft.com/office/drawing/2014/main" id="{7BEB820E-907F-A7AF-CF90-B3394D918F74}"/>
+                <a16:creationId xmlns:a16="http://schemas.microsoft.com/office/drawing/2014/main" id="{570C3A67-DE48-273B-68E2-FB98A6802B3F}"/>
               </a:ext>
             </a:extLst>
           </p:cNvPr>
@@ -1193,27 +1180,22 @@
             <a:spLocks noGrp="1"/>
           </p:cNvSpPr>
           <p:nvPr>
-            <p:ph type="body" sz="quarter" idx="10"/>
+            <p:ph type="body" sz="quarter" idx="11"/>
           </p:nvPr>
         </p:nvSpPr>
         <p:spPr/>
         <p:txBody>
-          <a:bodyPr anchor="ctr">
-            <a:normAutofit/>
-          </a:bodyPr>
+          <a:bodyPr/>
           <a:lstStyle/>
           <a:p>
-            <a:endParaRPr lang="en-US" dirty="0">
-              <a:latin typeface="Arial" panose="020B0604020202020204" pitchFamily="34" charset="0"/>
-              <a:cs typeface="Arial" panose="020B0604020202020204" pitchFamily="34" charset="0"/>
-            </a:endParaRPr>
+            <a:endParaRPr lang="en-US" dirty="0"/>
           </a:p>
         </p:txBody>
       </p:sp>
     </p:spTree>
     <p:extLst>
       <p:ext uri="{BB962C8B-B14F-4D97-AF65-F5344CB8AC3E}">
-        <p14:creationId xmlns:p14="http://schemas.microsoft.com/office/powerpoint/2010/main" val="2125337259"/>
+        <p14:creationId xmlns:p14="http://schemas.microsoft.com/office/powerpoint/2010/main" val="3115501620"/>
       </p:ext>
     </p:extLst>
   </p:cSld>

--- a/app/static/template/wed_sermon_template.pptx
+++ b/app/static/template/wed_sermon_template.pptx
@@ -8,7 +8,7 @@
     <p:notesMasterId r:id="rId3"/>
   </p:notesMasterIdLst>
   <p:sldIdLst>
-    <p:sldId id="398" r:id="rId2"/>
+    <p:sldId id="402" r:id="rId2"/>
   </p:sldIdLst>
   <p:sldSz cx="12192000" cy="6858000"/>
   <p:notesSz cx="6858000" cy="9144000"/>
@@ -238,7 +238,7 @@
           <a:p>
             <a:fld id="{15D6F61B-DCC9-D848-990F-CAE1C8685861}" type="datetimeFigureOut">
               <a:rPr lang="en-US" smtClean="0"/>
-              <a:t>7/31/23</a:t>
+              <a:t>8/4/23</a:t>
             </a:fld>
             <a:endParaRPr lang="en-US"/>
           </a:p>
@@ -562,14 +562,14 @@
           <a:lstStyle>
             <a:lvl1pPr marL="0" indent="0">
               <a:buNone/>
-              <a:defRPr b="1">
+              <a:defRPr sz="3000" b="1">
                 <a:effectLst>
                   <a:glow rad="190500">
                     <a:schemeClr val="bg2"/>
                   </a:glow>
                 </a:effectLst>
-                <a:latin typeface="Arial" panose="020B0604020202020204" pitchFamily="34" charset="0"/>
-                <a:cs typeface="Arial" panose="020B0604020202020204" pitchFamily="34" charset="0"/>
+                <a:latin typeface="Nirmala UI" panose="020B0502040204020203" pitchFamily="34" charset="0"/>
+                <a:cs typeface="Nirmala UI" panose="020B0502040204020203" pitchFamily="34" charset="0"/>
               </a:defRPr>
             </a:lvl1pPr>
           </a:lstStyle>
@@ -1172,7 +1172,7 @@
           <p:cNvPr id="2" name="Text Placeholder 1">
             <a:extLst>
               <a:ext uri="{FF2B5EF4-FFF2-40B4-BE49-F238E27FC236}">
-                <a16:creationId xmlns:a16="http://schemas.microsoft.com/office/drawing/2014/main" id="{570C3A67-DE48-273B-68E2-FB98A6802B3F}"/>
+                <a16:creationId xmlns:a16="http://schemas.microsoft.com/office/drawing/2014/main" id="{BA339966-2B50-A0DA-7A30-ED946F747F4D}"/>
               </a:ext>
             </a:extLst>
           </p:cNvPr>
@@ -1195,7 +1195,7 @@
     </p:spTree>
     <p:extLst>
       <p:ext uri="{BB962C8B-B14F-4D97-AF65-F5344CB8AC3E}">
-        <p14:creationId xmlns:p14="http://schemas.microsoft.com/office/powerpoint/2010/main" val="3115501620"/>
+        <p14:creationId xmlns:p14="http://schemas.microsoft.com/office/powerpoint/2010/main" val="2921708422"/>
       </p:ext>
     </p:extLst>
   </p:cSld>
